--- a/Литература/Haskell/Haskell.pptx
+++ b/Литература/Haskell/Haskell.pptx
@@ -282,7 +282,7 @@
           <a:p>
             <a:fld id="{4348219E-D72B-47F8-88A7-18B04A2562DF}" type="datetimeFigureOut">
               <a:rPr lang="ru-RU" smtClean="0"/>
-              <a:t>22.05.2019</a:t>
+              <a:t>05.03.2020</a:t>
             </a:fld>
             <a:endParaRPr lang="ru-RU"/>
           </a:p>
@@ -480,7 +480,7 @@
           <a:p>
             <a:fld id="{4348219E-D72B-47F8-88A7-18B04A2562DF}" type="datetimeFigureOut">
               <a:rPr lang="ru-RU" smtClean="0"/>
-              <a:t>22.05.2019</a:t>
+              <a:t>05.03.2020</a:t>
             </a:fld>
             <a:endParaRPr lang="ru-RU"/>
           </a:p>
@@ -688,7 +688,7 @@
           <a:p>
             <a:fld id="{4348219E-D72B-47F8-88A7-18B04A2562DF}" type="datetimeFigureOut">
               <a:rPr lang="ru-RU" smtClean="0"/>
-              <a:t>22.05.2019</a:t>
+              <a:t>05.03.2020</a:t>
             </a:fld>
             <a:endParaRPr lang="ru-RU"/>
           </a:p>
@@ -886,7 +886,7 @@
           <a:p>
             <a:fld id="{4348219E-D72B-47F8-88A7-18B04A2562DF}" type="datetimeFigureOut">
               <a:rPr lang="ru-RU" smtClean="0"/>
-              <a:t>22.05.2019</a:t>
+              <a:t>05.03.2020</a:t>
             </a:fld>
             <a:endParaRPr lang="ru-RU"/>
           </a:p>
@@ -1161,7 +1161,7 @@
           <a:p>
             <a:fld id="{4348219E-D72B-47F8-88A7-18B04A2562DF}" type="datetimeFigureOut">
               <a:rPr lang="ru-RU" smtClean="0"/>
-              <a:t>22.05.2019</a:t>
+              <a:t>05.03.2020</a:t>
             </a:fld>
             <a:endParaRPr lang="ru-RU"/>
           </a:p>
@@ -1426,7 +1426,7 @@
           <a:p>
             <a:fld id="{4348219E-D72B-47F8-88A7-18B04A2562DF}" type="datetimeFigureOut">
               <a:rPr lang="ru-RU" smtClean="0"/>
-              <a:t>22.05.2019</a:t>
+              <a:t>05.03.2020</a:t>
             </a:fld>
             <a:endParaRPr lang="ru-RU"/>
           </a:p>
@@ -1838,7 +1838,7 @@
           <a:p>
             <a:fld id="{4348219E-D72B-47F8-88A7-18B04A2562DF}" type="datetimeFigureOut">
               <a:rPr lang="ru-RU" smtClean="0"/>
-              <a:t>22.05.2019</a:t>
+              <a:t>05.03.2020</a:t>
             </a:fld>
             <a:endParaRPr lang="ru-RU"/>
           </a:p>
@@ -1979,7 +1979,7 @@
           <a:p>
             <a:fld id="{4348219E-D72B-47F8-88A7-18B04A2562DF}" type="datetimeFigureOut">
               <a:rPr lang="ru-RU" smtClean="0"/>
-              <a:t>22.05.2019</a:t>
+              <a:t>05.03.2020</a:t>
             </a:fld>
             <a:endParaRPr lang="ru-RU"/>
           </a:p>
@@ -2092,7 +2092,7 @@
           <a:p>
             <a:fld id="{4348219E-D72B-47F8-88A7-18B04A2562DF}" type="datetimeFigureOut">
               <a:rPr lang="ru-RU" smtClean="0"/>
-              <a:t>22.05.2019</a:t>
+              <a:t>05.03.2020</a:t>
             </a:fld>
             <a:endParaRPr lang="ru-RU"/>
           </a:p>
@@ -2403,7 +2403,7 @@
           <a:p>
             <a:fld id="{4348219E-D72B-47F8-88A7-18B04A2562DF}" type="datetimeFigureOut">
               <a:rPr lang="ru-RU" smtClean="0"/>
-              <a:t>22.05.2019</a:t>
+              <a:t>05.03.2020</a:t>
             </a:fld>
             <a:endParaRPr lang="ru-RU"/>
           </a:p>
@@ -2691,7 +2691,7 @@
           <a:p>
             <a:fld id="{4348219E-D72B-47F8-88A7-18B04A2562DF}" type="datetimeFigureOut">
               <a:rPr lang="ru-RU" smtClean="0"/>
-              <a:t>22.05.2019</a:t>
+              <a:t>05.03.2020</a:t>
             </a:fld>
             <a:endParaRPr lang="ru-RU"/>
           </a:p>
@@ -2932,7 +2932,7 @@
           <a:p>
             <a:fld id="{4348219E-D72B-47F8-88A7-18B04A2562DF}" type="datetimeFigureOut">
               <a:rPr lang="ru-RU" smtClean="0"/>
-              <a:t>22.05.2019</a:t>
+              <a:t>05.03.2020</a:t>
             </a:fld>
             <a:endParaRPr lang="ru-RU"/>
           </a:p>
@@ -6453,12 +6453,12 @@
               <a:buNone/>
             </a:pPr>
             <a:r>
-              <a:rPr lang="en-US">
+              <a:rPr lang="en-US" dirty="0">
                 <a:hlinkClick r:id="rId2"/>
               </a:rPr>
               <a:t>http://learnyouahaskell.com/chapters</a:t>
             </a:r>
-            <a:endParaRPr lang="en-US"/>
+            <a:endParaRPr lang="en-US" dirty="0"/>
           </a:p>
           <a:p>
             <a:pPr>
@@ -6503,7 +6503,11 @@
             </a:r>
             <a:r>
               <a:rPr lang="ru-RU" dirty="0"/>
-              <a:t> – ресурс для поиска в стандартных библиотеках.</a:t>
+              <a:t> – ресурс для поиска по стандартным </a:t>
+            </a:r>
+            <a:r>
+              <a:rPr lang="ru-RU"/>
+              <a:t>библиотекам языка.</a:t>
             </a:r>
             <a:endParaRPr lang="en-US" dirty="0"/>
           </a:p>
